--- a/Day5/Ch05-SparkStreaming.pptx
+++ b/Day5/Ch05-SparkStreaming.pptx
@@ -343,7 +343,7 @@
                 <a:ea typeface="Tahoma" pitchFamily="34" charset="0"/>
                 <a:cs typeface="Tahoma" pitchFamily="34" charset="0"/>
               </a:rPr>
-              <a:t>Chapter 6</a:t>
+              <a:t>Chapter 5</a:t>
             </a:r>
           </a:p>
         </p:txBody>
@@ -733,7 +733,7 @@
                 </a:solidFill>
                 <a:latin typeface="Tahoma" pitchFamily="34" charset="0"/>
               </a:rPr>
-              <a:t>Chapter 6-</a:t>
+              <a:t>Chapter 5-</a:t>
             </a:r>
             <a:fld id="{9C58707A-6F60-4D20-8A8B-4F90B88EA4F7}" type="slidenum">
               <a:rPr lang="en-US" sz="1200" smtClean="0">
@@ -6347,7 +6347,7 @@
                 </a:solidFill>
                 <a:latin typeface="Tahoma" charset="0"/>
               </a:rPr>
-              <a:t>© 2019</a:t>
+              <a:t>© 2020</a:t>
             </a:r>
             <a:r>
               <a:rPr lang="en-US" sz="700" b="0" baseline="0" dirty="0">
@@ -11752,6 +11752,15 @@
 
 <file path=customXml/item1.xml><?xml version="1.0" encoding="utf-8"?>
 <?mso-contentType ?>
+<FormTemplates xmlns="http://schemas.microsoft.com/sharepoint/v3/contenttype/forms">
+  <Display>DocumentLibraryForm</Display>
+  <Edit>DocumentLibraryForm</Edit>
+  <New>DocumentLibraryForm</New>
+</FormTemplates>
+</file>
+
+<file path=customXml/item2.xml><?xml version="1.0" encoding="utf-8"?>
+<?mso-contentType ?>
 <spe:Receivers xmlns:spe="http://schemas.microsoft.com/sharepoint/events">
   <Receiver>
     <Name>Document ID Generator</Name>
@@ -11796,16 +11805,21 @@
 </spe:Receivers>
 </file>
 
-<file path=customXml/item2.xml><?xml version="1.0" encoding="utf-8"?>
-<?mso-contentType ?>
-<FormTemplates xmlns="http://schemas.microsoft.com/sharepoint/v3/contenttype/forms">
-  <Display>DocumentLibraryForm</Display>
-  <Edit>DocumentLibraryForm</Edit>
-  <New>DocumentLibraryForm</New>
-</FormTemplates>
+<file path=customXml/item3.xml><?xml version="1.0" encoding="utf-8"?>
+<p:properties xmlns:p="http://schemas.microsoft.com/office/2006/metadata/properties" xmlns:xsi="http://www.w3.org/2001/XMLSchema-instance" xmlns:pc="http://schemas.microsoft.com/office/infopath/2007/PartnerControls">
+  <documentManagement>
+    <_dlc_DocId xmlns="037063e9-a85e-4c78-8627-f1a9315663e5">EVEA5JW6U4JV-6-9775</_dlc_DocId>
+    <_dlc_DocIdUrl xmlns="037063e9-a85e-4c78-8627-f1a9315663e5">
+      <Url>https://portal.roitraining.com/Courses/_layouts/DocIdRedir.aspx?ID=EVEA5JW6U4JV-6-9775</Url>
+      <Description>EVEA5JW6U4JV-6-9775</Description>
+    </_dlc_DocIdUrl>
+    <Date_x0020_last_x0020_used xmlns="027ed24f-5970-4294-be5c-0919c5aaa214" xsi:nil="true"/>
+    <Customization_x0020_Information xmlns="027ed24f-5970-4294-be5c-0919c5aaa214" xsi:nil="true"/>
+  </documentManagement>
+</p:properties>
 </file>
 
-<file path=customXml/item3.xml><?xml version="1.0" encoding="utf-8"?>
+<file path=customXml/item4.xml><?xml version="1.0" encoding="utf-8"?>
 <ct:contentTypeSchema xmlns:ct="http://schemas.microsoft.com/office/2006/metadata/contentType" xmlns:ma="http://schemas.microsoft.com/office/2006/metadata/properties/metaAttributes" ct:_="" ma:_="" ma:contentTypeName="Document" ma:contentTypeID="0x0101006B08A054FD435346B287BB258D6D8C2A" ma:contentTypeVersion="2" ma:contentTypeDescription="Create a new document." ma:contentTypeScope="" ma:versionID="6146b90b4382322d8952632f355192b7">
   <xsd:schema xmlns:xsd="http://www.w3.org/2001/XMLSchema" xmlns:xs="http://www.w3.org/2001/XMLSchema" xmlns:p="http://schemas.microsoft.com/office/2006/metadata/properties" xmlns:ns2="027ed24f-5970-4294-be5c-0919c5aaa214" xmlns:ns3="037063e9-a85e-4c78-8627-f1a9315663e5" targetNamespace="http://schemas.microsoft.com/office/2006/metadata/properties" ma:root="true" ma:fieldsID="b5d91f802dafd2e22aeea528efbe2d3e" ns2:_="" ns3:_="">
     <xsd:import namespace="027ed24f-5970-4294-be5c-0919c5aaa214"/>
@@ -11971,21 +11985,15 @@
 </ct:contentTypeSchema>
 </file>
 
-<file path=customXml/item4.xml><?xml version="1.0" encoding="utf-8"?>
-<p:properties xmlns:p="http://schemas.microsoft.com/office/2006/metadata/properties" xmlns:xsi="http://www.w3.org/2001/XMLSchema-instance" xmlns:pc="http://schemas.microsoft.com/office/infopath/2007/PartnerControls">
-  <documentManagement>
-    <_dlc_DocId xmlns="037063e9-a85e-4c78-8627-f1a9315663e5">EVEA5JW6U4JV-6-9775</_dlc_DocId>
-    <_dlc_DocIdUrl xmlns="037063e9-a85e-4c78-8627-f1a9315663e5">
-      <Url>https://portal.roitraining.com/Courses/_layouts/DocIdRedir.aspx?ID=EVEA5JW6U4JV-6-9775</Url>
-      <Description>EVEA5JW6U4JV-6-9775</Description>
-    </_dlc_DocIdUrl>
-    <Date_x0020_last_x0020_used xmlns="027ed24f-5970-4294-be5c-0919c5aaa214" xsi:nil="true"/>
-    <Customization_x0020_Information xmlns="027ed24f-5970-4294-be5c-0919c5aaa214" xsi:nil="true"/>
-  </documentManagement>
-</p:properties>
+<file path=customXml/itemProps1.xml><?xml version="1.0" encoding="utf-8"?>
+<ds:datastoreItem xmlns:ds="http://schemas.openxmlformats.org/officeDocument/2006/customXml" ds:itemID="{2DA015F3-603C-4688-A5F3-81D587DAB8C9}">
+  <ds:schemaRefs>
+    <ds:schemaRef ds:uri="http://schemas.microsoft.com/sharepoint/v3/contenttype/forms"/>
+  </ds:schemaRefs>
+</ds:datastoreItem>
 </file>
 
-<file path=customXml/itemProps1.xml><?xml version="1.0" encoding="utf-8"?>
+<file path=customXml/itemProps2.xml><?xml version="1.0" encoding="utf-8"?>
 <ds:datastoreItem xmlns:ds="http://schemas.openxmlformats.org/officeDocument/2006/customXml" ds:itemID="{B9043294-8302-4947-B882-02D6486F929C}">
   <ds:schemaRefs>
     <ds:schemaRef ds:uri="http://schemas.microsoft.com/sharepoint/events"/>
@@ -11993,15 +12001,18 @@
 </ds:datastoreItem>
 </file>
 
-<file path=customXml/itemProps2.xml><?xml version="1.0" encoding="utf-8"?>
-<ds:datastoreItem xmlns:ds="http://schemas.openxmlformats.org/officeDocument/2006/customXml" ds:itemID="{2DA015F3-603C-4688-A5F3-81D587DAB8C9}">
+<file path=customXml/itemProps3.xml><?xml version="1.0" encoding="utf-8"?>
+<ds:datastoreItem xmlns:ds="http://schemas.openxmlformats.org/officeDocument/2006/customXml" ds:itemID="{F47B9207-CE5C-49AD-B414-15CBFA246D65}">
   <ds:schemaRefs>
-    <ds:schemaRef ds:uri="http://schemas.microsoft.com/sharepoint/v3/contenttype/forms"/>
+    <ds:schemaRef ds:uri="http://schemas.microsoft.com/office/2006/metadata/properties"/>
+    <ds:schemaRef ds:uri="http://schemas.microsoft.com/office/infopath/2007/PartnerControls"/>
+    <ds:schemaRef ds:uri="037063e9-a85e-4c78-8627-f1a9315663e5"/>
+    <ds:schemaRef ds:uri="027ed24f-5970-4294-be5c-0919c5aaa214"/>
   </ds:schemaRefs>
 </ds:datastoreItem>
 </file>
 
-<file path=customXml/itemProps3.xml><?xml version="1.0" encoding="utf-8"?>
+<file path=customXml/itemProps4.xml><?xml version="1.0" encoding="utf-8"?>
 <ds:datastoreItem xmlns:ds="http://schemas.openxmlformats.org/officeDocument/2006/customXml" ds:itemID="{C4B97901-086A-43FB-9CDE-81946CD251DD}">
   <ds:schemaRefs>
     <ds:schemaRef ds:uri="http://schemas.microsoft.com/office/2006/metadata/contentType"/>
@@ -12018,15 +12029,4 @@
     <ds:schemaRef ds:uri="http://schemas.microsoft.com/internal/obd"/>
   </ds:schemaRefs>
 </ds:datastoreItem>
-</file>
-
-<file path=customXml/itemProps4.xml><?xml version="1.0" encoding="utf-8"?>
-<ds:datastoreItem xmlns:ds="http://schemas.openxmlformats.org/officeDocument/2006/customXml" ds:itemID="{F47B9207-CE5C-49AD-B414-15CBFA246D65}">
-  <ds:schemaRefs>
-    <ds:schemaRef ds:uri="http://schemas.microsoft.com/office/2006/metadata/properties"/>
-    <ds:schemaRef ds:uri="http://schemas.microsoft.com/office/infopath/2007/PartnerControls"/>
-    <ds:schemaRef ds:uri="037063e9-a85e-4c78-8627-f1a9315663e5"/>
-    <ds:schemaRef ds:uri="027ed24f-5970-4294-be5c-0919c5aaa214"/>
-  </ds:schemaRefs>
-</ds:datastoreItem>
 </file>